--- a/confilter/confilter.pptx
+++ b/confilter/confilter.pptx
@@ -5,14 +5,16 @@
     <p:sldMasterId id="2147483648" r:id="rId1"/>
   </p:sldMasterIdLst>
   <p:notesMasterIdLst>
-    <p:notesMasterId r:id="rId7"/>
+    <p:notesMasterId r:id="rId9"/>
   </p:notesMasterIdLst>
   <p:sldIdLst>
     <p:sldId id="256" r:id="rId2"/>
     <p:sldId id="257" r:id="rId3"/>
     <p:sldId id="258" r:id="rId4"/>
     <p:sldId id="259" r:id="rId5"/>
-    <p:sldId id="260" r:id="rId6"/>
+    <p:sldId id="262" r:id="rId6"/>
+    <p:sldId id="260" r:id="rId7"/>
+    <p:sldId id="261" r:id="rId8"/>
   </p:sldIdLst>
   <p:sldSz cx="12192000" cy="6858000"/>
   <p:notesSz cx="6858000" cy="9144000"/>
@@ -5909,7 +5911,7 @@
           <a:p>
             <a:fld id="{7C0C1E47-742E-704F-9752-00724B364E0F}" type="datetimeFigureOut">
               <a:rPr kumimoji="1" lang="zh-CN" altLang="en-US" smtClean="0"/>
-              <a:t>2019/2/2</a:t>
+              <a:t>2019/2/6</a:t>
             </a:fld>
             <a:endParaRPr kumimoji="1" lang="zh-CN" altLang="en-US"/>
           </a:p>
@@ -7013,54 +7015,64 @@
           <a:bodyPr/>
           <a:lstStyle/>
           <a:p>
+            <a:pPr marL="171450" indent="-171450">
+              <a:buFont typeface="Arial" panose="020B0604020202020204" pitchFamily="34" charset="0"/>
+              <a:buChar char="•"/>
+            </a:pPr>
             <a:r>
               <a:rPr kumimoji="1" lang="zh-Hans" altLang="en-US" dirty="0"/>
-              <a:t>配置：模块名称、下游广播接收</a:t>
-            </a:r>
-            <a:r>
-              <a:rPr kumimoji="1" lang="en-US" altLang="zh-Hans" dirty="0" err="1"/>
-              <a:t>api</a:t>
-            </a:r>
+              <a:t>一个产品线一个时间段只有一个</a:t>
+            </a:r>
+            <a:r>
+              <a:rPr kumimoji="1" lang="en-US" altLang="zh-Hans" dirty="0"/>
+              <a:t>job</a:t>
+            </a:r>
+          </a:p>
+          <a:p>
+            <a:pPr marL="171450" indent="-171450">
+              <a:buFont typeface="Arial" panose="020B0604020202020204" pitchFamily="34" charset="0"/>
+              <a:buChar char="•"/>
+            </a:pPr>
             <a:r>
               <a:rPr kumimoji="1" lang="zh-Hans" altLang="en-US" dirty="0"/>
-              <a:t>的各种参数（</a:t>
-            </a:r>
-            <a:r>
-              <a:rPr kumimoji="1" lang="en-US" altLang="zh-Hans" dirty="0" err="1"/>
-              <a:t>get|post</a:t>
+              <a:t>当一个产品线的一个</a:t>
+            </a:r>
+            <a:r>
+              <a:rPr kumimoji="1" lang="en-US" altLang="zh-Hans" dirty="0"/>
+              <a:t>job</a:t>
             </a:r>
             <a:r>
               <a:rPr kumimoji="1" lang="zh-Hans" altLang="en-US" dirty="0"/>
-              <a:t>，</a:t>
-            </a:r>
-            <a:r>
-              <a:rPr kumimoji="1" lang="en-US" altLang="zh-Hans" dirty="0" err="1"/>
-              <a:t>pathinfo</a:t>
-            </a:r>
+              <a:t>触发之后，标记状态 （未执行，执行中，执行失败，执行成功）</a:t>
+            </a:r>
+            <a:endParaRPr kumimoji="1" lang="en-US" altLang="zh-Hans" dirty="0"/>
+          </a:p>
+          <a:p>
+            <a:pPr marL="171450" indent="-171450">
+              <a:buFont typeface="Arial" panose="020B0604020202020204" pitchFamily="34" charset="0"/>
+              <a:buChar char="•"/>
+            </a:pPr>
             <a:r>
               <a:rPr kumimoji="1" lang="zh-Hans" altLang="en-US" dirty="0"/>
-              <a:t>，</a:t>
-            </a:r>
-            <a:r>
-              <a:rPr kumimoji="1" lang="en-US" altLang="zh-Hans" dirty="0" err="1"/>
-              <a:t>querystring</a:t>
+              <a:t>如果可以，记录对应的实例的执行结果 （</a:t>
+            </a:r>
+            <a:r>
+              <a:rPr kumimoji="1" lang="en-US" altLang="zh-Hans" dirty="0"/>
+              <a:t>A</a:t>
             </a:r>
             <a:r>
               <a:rPr kumimoji="1" lang="zh-Hans" altLang="en-US" dirty="0"/>
-              <a:t>，参数</a:t>
+              <a:t>实例执行失败，</a:t>
             </a:r>
             <a:r>
               <a:rPr kumimoji="1" lang="en-US" altLang="zh-Hans" dirty="0"/>
-              <a:t>…</a:t>
+              <a:t>B</a:t>
             </a:r>
             <a:r>
               <a:rPr kumimoji="1" lang="zh-Hans" altLang="en-US" dirty="0"/>
-              <a:t>）</a:t>
+              <a:t>实例执行成功）</a:t>
             </a:r>
             <a:endParaRPr kumimoji="1" lang="en-US" altLang="zh-Hans" dirty="0"/>
-          </a:p>
-          <a:p>
-            <a:endParaRPr kumimoji="1" lang="zh-CN" altLang="en-US" dirty="0"/>
           </a:p>
         </p:txBody>
       </p:sp>
@@ -7090,7 +7102,427 @@
     </p:spTree>
     <p:extLst>
       <p:ext uri="{BB962C8B-B14F-4D97-AF65-F5344CB8AC3E}">
+        <p14:creationId xmlns:p14="http://schemas.microsoft.com/office/powerpoint/2010/main" val="2492974153"/>
+      </p:ext>
+    </p:extLst>
+  </p:cSld>
+  <p:clrMapOvr>
+    <a:masterClrMapping/>
+  </p:clrMapOvr>
+</p:notes>
+</file>
+
+<file path=ppt/notesSlides/notesSlide5.xml><?xml version="1.0" encoding="utf-8"?>
+<p:notes xmlns:a="http://schemas.openxmlformats.org/drawingml/2006/main" xmlns:r="http://schemas.openxmlformats.org/officeDocument/2006/relationships" xmlns:p="http://schemas.openxmlformats.org/presentationml/2006/main">
+  <p:cSld>
+    <p:spTree>
+      <p:nvGrpSpPr>
+        <p:cNvPr id="1" name=""/>
+        <p:cNvGrpSpPr/>
+        <p:nvPr/>
+      </p:nvGrpSpPr>
+      <p:grpSpPr>
+        <a:xfrm>
+          <a:off x="0" y="0"/>
+          <a:ext cx="0" cy="0"/>
+          <a:chOff x="0" y="0"/>
+          <a:chExt cx="0" cy="0"/>
+        </a:xfrm>
+      </p:grpSpPr>
+      <p:sp>
+        <p:nvSpPr>
+          <p:cNvPr id="2" name="幻灯片图像占位符 1"/>
+          <p:cNvSpPr>
+            <a:spLocks noGrp="1" noRot="1" noChangeAspect="1"/>
+          </p:cNvSpPr>
+          <p:nvPr>
+            <p:ph type="sldImg"/>
+          </p:nvPr>
+        </p:nvSpPr>
+        <p:spPr/>
+      </p:sp>
+      <p:sp>
+        <p:nvSpPr>
+          <p:cNvPr id="3" name="备注占位符 2"/>
+          <p:cNvSpPr>
+            <a:spLocks noGrp="1"/>
+          </p:cNvSpPr>
+          <p:nvPr>
+            <p:ph type="body" idx="1"/>
+          </p:nvPr>
+        </p:nvSpPr>
+        <p:spPr/>
+        <p:txBody>
+          <a:bodyPr/>
+          <a:lstStyle/>
+          <a:p>
+            <a:r>
+              <a:rPr kumimoji="1" lang="zh-Hans" altLang="en-US" dirty="0"/>
+              <a:t>配置：模块名称、下游广播接收</a:t>
+            </a:r>
+            <a:r>
+              <a:rPr kumimoji="1" lang="en-US" altLang="zh-Hans" dirty="0" err="1"/>
+              <a:t>api</a:t>
+            </a:r>
+            <a:r>
+              <a:rPr kumimoji="1" lang="zh-Hans" altLang="en-US" dirty="0"/>
+              <a:t>的各种参数（</a:t>
+            </a:r>
+            <a:r>
+              <a:rPr kumimoji="1" lang="en-US" altLang="zh-Hans" dirty="0" err="1"/>
+              <a:t>get|post</a:t>
+            </a:r>
+            <a:r>
+              <a:rPr kumimoji="1" lang="en-US" altLang="zh-Hans" dirty="0"/>
+              <a:t>…</a:t>
+            </a:r>
+            <a:r>
+              <a:rPr kumimoji="1" lang="zh-Hans" altLang="en-US" dirty="0"/>
+              <a:t>方法，</a:t>
+            </a:r>
+            <a:r>
+              <a:rPr kumimoji="1" lang="en-US" altLang="zh-Hans" dirty="0" err="1"/>
+              <a:t>pathinfo</a:t>
+            </a:r>
+            <a:r>
+              <a:rPr kumimoji="1" lang="zh-Hans" altLang="en-US" dirty="0"/>
+              <a:t>，</a:t>
+            </a:r>
+            <a:r>
+              <a:rPr kumimoji="1" lang="en-US" altLang="zh-Hans" dirty="0" err="1"/>
+              <a:t>querystring</a:t>
+            </a:r>
+            <a:r>
+              <a:rPr kumimoji="1" lang="zh-Hans" altLang="en-US" dirty="0"/>
+              <a:t>，参数</a:t>
+            </a:r>
+            <a:r>
+              <a:rPr kumimoji="1" lang="en-US" altLang="zh-Hans" dirty="0"/>
+              <a:t>…</a:t>
+            </a:r>
+            <a:r>
+              <a:rPr kumimoji="1" lang="zh-Hans" altLang="en-US" dirty="0"/>
+              <a:t>）</a:t>
+            </a:r>
+            <a:endParaRPr kumimoji="1" lang="en-US" altLang="zh-Hans" dirty="0"/>
+          </a:p>
+          <a:p>
+            <a:r>
+              <a:rPr kumimoji="1" lang="en-US" altLang="zh-Hans" dirty="0"/>
+              <a:t>Reference: </a:t>
+            </a:r>
+            <a:r>
+              <a:rPr kumimoji="1" lang="en-US" altLang="zh-Hans" dirty="0" err="1"/>
+              <a:t>ddns</a:t>
+            </a:r>
+            <a:r>
+              <a:rPr kumimoji="1" lang="en-US" altLang="zh-Hans" dirty="0"/>
+              <a:t>/</a:t>
+            </a:r>
+            <a:r>
+              <a:rPr kumimoji="1" lang="en-US" altLang="zh-Hans" dirty="0" err="1"/>
+              <a:t>getservice</a:t>
+            </a:r>
+            <a:r>
+              <a:rPr kumimoji="1" lang="en-US" altLang="zh-Hans" dirty="0"/>
+              <a:t> </a:t>
+            </a:r>
+          </a:p>
+          <a:p>
+            <a:endParaRPr kumimoji="1" lang="en-US" altLang="zh-Hans" dirty="0"/>
+          </a:p>
+          <a:p>
+            <a:r>
+              <a:rPr kumimoji="1" lang="zh-Hans" altLang="en-US" dirty="0"/>
+              <a:t>注意：后续公司会发展混云部署架构，那么依旧是通过</a:t>
+            </a:r>
+            <a:r>
+              <a:rPr kumimoji="1" lang="en-US" altLang="zh-Hans" dirty="0" err="1"/>
+              <a:t>ddns</a:t>
+            </a:r>
+            <a:r>
+              <a:rPr kumimoji="1" lang="zh-Hans" altLang="en-US" dirty="0"/>
+              <a:t>进行实例的获取。不过要加上</a:t>
+            </a:r>
+            <a:r>
+              <a:rPr kumimoji="1" lang="en-US" altLang="zh-Hans" dirty="0" err="1"/>
+              <a:t>idc</a:t>
+            </a:r>
+            <a:r>
+              <a:rPr kumimoji="1" lang="en-US" altLang="zh-Hans" dirty="0"/>
+              <a:t>=all</a:t>
+            </a:r>
+            <a:r>
+              <a:rPr kumimoji="1" lang="zh-Hans" altLang="en-US" dirty="0"/>
+              <a:t>这个</a:t>
+            </a:r>
+            <a:r>
+              <a:rPr kumimoji="1" lang="en-US" altLang="zh-Hans" dirty="0"/>
+              <a:t>tag</a:t>
+            </a:r>
+          </a:p>
+          <a:p>
+            <a:endParaRPr kumimoji="1" lang="en-US" altLang="zh-Hans" dirty="0"/>
+          </a:p>
+          <a:p>
+            <a:endParaRPr kumimoji="1" lang="en-US" altLang="zh-Hans" dirty="0"/>
+          </a:p>
+          <a:p>
+            <a:endParaRPr kumimoji="1" lang="zh-CN" altLang="en-US" dirty="0"/>
+          </a:p>
+        </p:txBody>
+      </p:sp>
+      <p:sp>
+        <p:nvSpPr>
+          <p:cNvPr id="4" name="幻灯片编号占位符 3"/>
+          <p:cNvSpPr>
+            <a:spLocks noGrp="1"/>
+          </p:cNvSpPr>
+          <p:nvPr>
+            <p:ph type="sldNum" sz="quarter" idx="10"/>
+          </p:nvPr>
+        </p:nvSpPr>
+        <p:spPr/>
+        <p:txBody>
+          <a:bodyPr/>
+          <a:lstStyle/>
+          <a:p>
+            <a:fld id="{4925D77D-B7F4-5B4E-A2A4-C188FCE58DB6}" type="slidenum">
+              <a:rPr kumimoji="1" lang="zh-CN" altLang="en-US" smtClean="0"/>
+              <a:t>6</a:t>
+            </a:fld>
+            <a:endParaRPr kumimoji="1" lang="zh-CN" altLang="en-US"/>
+          </a:p>
+        </p:txBody>
+      </p:sp>
+    </p:spTree>
+    <p:extLst>
+      <p:ext uri="{BB962C8B-B14F-4D97-AF65-F5344CB8AC3E}">
         <p14:creationId xmlns:p14="http://schemas.microsoft.com/office/powerpoint/2010/main" val="310535752"/>
+      </p:ext>
+    </p:extLst>
+  </p:cSld>
+  <p:clrMapOvr>
+    <a:masterClrMapping/>
+  </p:clrMapOvr>
+</p:notes>
+</file>
+
+<file path=ppt/notesSlides/notesSlide6.xml><?xml version="1.0" encoding="utf-8"?>
+<p:notes xmlns:a="http://schemas.openxmlformats.org/drawingml/2006/main" xmlns:r="http://schemas.openxmlformats.org/officeDocument/2006/relationships" xmlns:p="http://schemas.openxmlformats.org/presentationml/2006/main">
+  <p:cSld>
+    <p:spTree>
+      <p:nvGrpSpPr>
+        <p:cNvPr id="1" name=""/>
+        <p:cNvGrpSpPr/>
+        <p:nvPr/>
+      </p:nvGrpSpPr>
+      <p:grpSpPr>
+        <a:xfrm>
+          <a:off x="0" y="0"/>
+          <a:ext cx="0" cy="0"/>
+          <a:chOff x="0" y="0"/>
+          <a:chExt cx="0" cy="0"/>
+        </a:xfrm>
+      </p:grpSpPr>
+      <p:sp>
+        <p:nvSpPr>
+          <p:cNvPr id="2" name="幻灯片图像占位符 1"/>
+          <p:cNvSpPr>
+            <a:spLocks noGrp="1" noRot="1" noChangeAspect="1"/>
+          </p:cNvSpPr>
+          <p:nvPr>
+            <p:ph type="sldImg"/>
+          </p:nvPr>
+        </p:nvSpPr>
+        <p:spPr/>
+      </p:sp>
+      <p:sp>
+        <p:nvSpPr>
+          <p:cNvPr id="3" name="备注占位符 2"/>
+          <p:cNvSpPr>
+            <a:spLocks noGrp="1"/>
+          </p:cNvSpPr>
+          <p:nvPr>
+            <p:ph type="body" idx="1"/>
+          </p:nvPr>
+        </p:nvSpPr>
+        <p:spPr/>
+        <p:txBody>
+          <a:bodyPr/>
+          <a:lstStyle/>
+          <a:p>
+            <a:pPr marL="171450" indent="-171450">
+              <a:buFont typeface="Arial" panose="020B0604020202020204" pitchFamily="34" charset="0"/>
+              <a:buChar char="•"/>
+            </a:pPr>
+            <a:r>
+              <a:rPr kumimoji="1" lang="en" altLang="zh-Hans" dirty="0"/>
+              <a:t>https://</a:t>
+            </a:r>
+            <a:r>
+              <a:rPr kumimoji="1" lang="en" altLang="zh-Hans" dirty="0" err="1"/>
+              <a:t>en.wikipedia.org</a:t>
+            </a:r>
+            <a:r>
+              <a:rPr kumimoji="1" lang="en" altLang="zh-Hans" dirty="0"/>
+              <a:t>/wiki/Aho%E2%80%93Corasick_algorithm</a:t>
+            </a:r>
+            <a:r>
+              <a:rPr kumimoji="1" lang="zh-Hans" altLang="en-US" dirty="0"/>
+              <a:t> （</a:t>
+            </a:r>
+            <a:r>
+              <a:rPr kumimoji="1" lang="en-US" altLang="zh-Hans" dirty="0"/>
+              <a:t>AC</a:t>
+            </a:r>
+            <a:r>
+              <a:rPr kumimoji="1" lang="zh-Hans" altLang="en-US" dirty="0"/>
+              <a:t>算法科普）</a:t>
+            </a:r>
+            <a:endParaRPr kumimoji="1" lang="en-US" altLang="zh-Hans" dirty="0"/>
+          </a:p>
+          <a:p>
+            <a:pPr marL="171450" indent="-171450">
+              <a:buFont typeface="Arial" panose="020B0604020202020204" pitchFamily="34" charset="0"/>
+              <a:buChar char="•"/>
+            </a:pPr>
+            <a:endParaRPr kumimoji="1" lang="en" altLang="zh-Hans" dirty="0"/>
+          </a:p>
+          <a:p>
+            <a:pPr marL="171450" indent="-171450">
+              <a:buFont typeface="Arial" panose="020B0604020202020204" pitchFamily="34" charset="0"/>
+              <a:buChar char="•"/>
+            </a:pPr>
+            <a:r>
+              <a:rPr kumimoji="1" lang="en" altLang="zh-CN" dirty="0"/>
+              <a:t>https://</a:t>
+            </a:r>
+            <a:r>
+              <a:rPr kumimoji="1" lang="en" altLang="zh-CN" dirty="0" err="1"/>
+              <a:t>github.com</a:t>
+            </a:r>
+            <a:r>
+              <a:rPr kumimoji="1" lang="en" altLang="zh-CN" dirty="0"/>
+              <a:t>/</a:t>
+            </a:r>
+            <a:r>
+              <a:rPr kumimoji="1" lang="en" altLang="zh-CN" dirty="0" err="1"/>
+              <a:t>anknown</a:t>
+            </a:r>
+            <a:r>
+              <a:rPr kumimoji="1" lang="en" altLang="zh-CN" dirty="0"/>
+              <a:t>/</a:t>
+            </a:r>
+            <a:r>
+              <a:rPr kumimoji="1" lang="en" altLang="zh-CN" dirty="0" err="1"/>
+              <a:t>ahocorasick</a:t>
+            </a:r>
+            <a:r>
+              <a:rPr kumimoji="1" lang="en" altLang="zh-CN" dirty="0"/>
+              <a:t>/blob/master/</a:t>
+            </a:r>
+            <a:r>
+              <a:rPr kumimoji="1" lang="en" altLang="zh-CN" dirty="0" err="1"/>
+              <a:t>ahocorasick.go</a:t>
+            </a:r>
+            <a:r>
+              <a:rPr kumimoji="1" lang="zh-Hans" altLang="en-US" dirty="0"/>
+              <a:t>（</a:t>
+            </a:r>
+            <a:r>
+              <a:rPr kumimoji="1" lang="en-US" altLang="zh-Hans" dirty="0" err="1"/>
+              <a:t>golang</a:t>
+            </a:r>
+            <a:r>
+              <a:rPr kumimoji="1" lang="zh-Hans" altLang="en-US" dirty="0"/>
+              <a:t>版本的</a:t>
+            </a:r>
+            <a:r>
+              <a:rPr kumimoji="1" lang="en-US" altLang="zh-Hans" dirty="0"/>
+              <a:t>ac</a:t>
+            </a:r>
+            <a:r>
+              <a:rPr kumimoji="1" lang="zh-Hans" altLang="en-US" dirty="0"/>
+              <a:t>算法实现）</a:t>
+            </a:r>
+            <a:endParaRPr kumimoji="1" lang="en-US" altLang="zh-Hans" dirty="0"/>
+          </a:p>
+          <a:p>
+            <a:pPr marL="171450" indent="-171450">
+              <a:buFont typeface="Arial" panose="020B0604020202020204" pitchFamily="34" charset="0"/>
+              <a:buChar char="•"/>
+            </a:pPr>
+            <a:endParaRPr kumimoji="1" lang="en-US" altLang="zh-CN" dirty="0"/>
+          </a:p>
+          <a:p>
+            <a:pPr marL="171450" indent="-171450">
+              <a:buFont typeface="Arial" panose="020B0604020202020204" pitchFamily="34" charset="0"/>
+              <a:buChar char="•"/>
+            </a:pPr>
+            <a:r>
+              <a:rPr kumimoji="1" lang="zh-Hans" altLang="en-US" dirty="0"/>
+              <a:t>注意：这这里要有具体的</a:t>
+            </a:r>
+            <a:r>
+              <a:rPr kumimoji="1" lang="en-US" altLang="zh-Hans" dirty="0" err="1"/>
+              <a:t>ExpireTime</a:t>
+            </a:r>
+            <a:r>
+              <a:rPr kumimoji="1" lang="en-US" altLang="zh-Hans" dirty="0"/>
+              <a:t>, </a:t>
+            </a:r>
+            <a:r>
+              <a:rPr kumimoji="1" lang="zh-Hans" altLang="en-US" dirty="0"/>
+              <a:t>是说当前词条的过期时间， 如果该引用类型是</a:t>
+            </a:r>
+            <a:r>
+              <a:rPr kumimoji="1" lang="en-US" altLang="zh-Hans" dirty="0"/>
+              <a:t>nil</a:t>
+            </a:r>
+            <a:r>
+              <a:rPr kumimoji="1" lang="zh-Hans" altLang="en-US" dirty="0"/>
+              <a:t>，说明是不过期的。 如果非</a:t>
+            </a:r>
+            <a:r>
+              <a:rPr kumimoji="1" lang="en-US" altLang="zh-Hans" dirty="0"/>
+              <a:t>nil</a:t>
+            </a:r>
+            <a:r>
+              <a:rPr kumimoji="1" lang="zh-Hans" altLang="en-US" dirty="0"/>
+              <a:t>，那么匹配的时候要比对一下当前时间。</a:t>
+            </a:r>
+            <a:endParaRPr kumimoji="1" lang="zh-CN" altLang="en-US" dirty="0"/>
+          </a:p>
+        </p:txBody>
+      </p:sp>
+      <p:sp>
+        <p:nvSpPr>
+          <p:cNvPr id="4" name="幻灯片编号占位符 3"/>
+          <p:cNvSpPr>
+            <a:spLocks noGrp="1"/>
+          </p:cNvSpPr>
+          <p:nvPr>
+            <p:ph type="sldNum" sz="quarter" idx="10"/>
+          </p:nvPr>
+        </p:nvSpPr>
+        <p:spPr/>
+        <p:txBody>
+          <a:bodyPr/>
+          <a:lstStyle/>
+          <a:p>
+            <a:fld id="{4925D77D-B7F4-5B4E-A2A4-C188FCE58DB6}" type="slidenum">
+              <a:rPr kumimoji="1" lang="zh-CN" altLang="en-US" smtClean="0"/>
+              <a:t>7</a:t>
+            </a:fld>
+            <a:endParaRPr kumimoji="1" lang="zh-CN" altLang="en-US"/>
+          </a:p>
+        </p:txBody>
+      </p:sp>
+    </p:spTree>
+    <p:extLst>
+      <p:ext uri="{BB962C8B-B14F-4D97-AF65-F5344CB8AC3E}">
+        <p14:creationId xmlns:p14="http://schemas.microsoft.com/office/powerpoint/2010/main" val="1561709742"/>
       </p:ext>
     </p:extLst>
   </p:cSld>
@@ -7330,7 +7762,7 @@
             <a:fld id="{B61BEF0D-F0BB-DE4B-95CE-6DB70DBA9567}" type="datetimeFigureOut">
               <a:rPr lang="en-US" dirty="0"/>
               <a:pPr/>
-              <a:t>2/2/19</a:t>
+              <a:t>2/6/19</a:t>
             </a:fld>
             <a:endParaRPr lang="en-US" dirty="0"/>
           </a:p>
@@ -7661,7 +8093,7 @@
             <a:fld id="{B61BEF0D-F0BB-DE4B-95CE-6DB70DBA9567}" type="datetimeFigureOut">
               <a:rPr lang="en-US" dirty="0"/>
               <a:pPr/>
-              <a:t>2/2/19</a:t>
+              <a:t>2/6/19</a:t>
             </a:fld>
             <a:endParaRPr lang="en-US" dirty="0"/>
           </a:p>
@@ -7936,7 +8368,7 @@
             <a:fld id="{B61BEF0D-F0BB-DE4B-95CE-6DB70DBA9567}" type="datetimeFigureOut">
               <a:rPr lang="en-US" dirty="0"/>
               <a:pPr/>
-              <a:t>2/2/19</a:t>
+              <a:t>2/6/19</a:t>
             </a:fld>
             <a:endParaRPr lang="en-US" dirty="0"/>
           </a:p>
@@ -8501,7 +8933,7 @@
             <a:fld id="{B61BEF0D-F0BB-DE4B-95CE-6DB70DBA9567}" type="datetimeFigureOut">
               <a:rPr lang="en-US" dirty="0"/>
               <a:pPr/>
-              <a:t>2/2/19</a:t>
+              <a:t>2/6/19</a:t>
             </a:fld>
             <a:endParaRPr lang="en-US" dirty="0"/>
           </a:p>
@@ -8776,7 +9208,7 @@
             <a:fld id="{B61BEF0D-F0BB-DE4B-95CE-6DB70DBA9567}" type="datetimeFigureOut">
               <a:rPr lang="en-US" dirty="0"/>
               <a:pPr/>
-              <a:t>2/2/19</a:t>
+              <a:t>2/6/19</a:t>
             </a:fld>
             <a:endParaRPr lang="en-US" dirty="0"/>
           </a:p>
@@ -9335,7 +9767,7 @@
             <a:fld id="{B61BEF0D-F0BB-DE4B-95CE-6DB70DBA9567}" type="datetimeFigureOut">
               <a:rPr lang="en-US" dirty="0"/>
               <a:pPr/>
-              <a:t>2/2/19</a:t>
+              <a:t>2/6/19</a:t>
             </a:fld>
             <a:endParaRPr lang="en-US" dirty="0"/>
           </a:p>
@@ -9659,7 +10091,7 @@
             <a:fld id="{B61BEF0D-F0BB-DE4B-95CE-6DB70DBA9567}" type="datetimeFigureOut">
               <a:rPr lang="en-US" dirty="0"/>
               <a:pPr/>
-              <a:t>2/2/19</a:t>
+              <a:t>2/6/19</a:t>
             </a:fld>
             <a:endParaRPr lang="en-US" dirty="0"/>
           </a:p>
@@ -9833,7 +10265,7 @@
             <a:fld id="{B61BEF0D-F0BB-DE4B-95CE-6DB70DBA9567}" type="datetimeFigureOut">
               <a:rPr lang="en-US" dirty="0"/>
               <a:pPr/>
-              <a:t>2/2/19</a:t>
+              <a:t>2/6/19</a:t>
             </a:fld>
             <a:endParaRPr lang="en-US" dirty="0"/>
           </a:p>
@@ -10068,7 +10500,7 @@
             <a:fld id="{B61BEF0D-F0BB-DE4B-95CE-6DB70DBA9567}" type="datetimeFigureOut">
               <a:rPr lang="en-US" dirty="0"/>
               <a:pPr/>
-              <a:t>2/2/19</a:t>
+              <a:t>2/6/19</a:t>
             </a:fld>
             <a:endParaRPr lang="en-US" dirty="0"/>
           </a:p>
@@ -10265,7 +10697,7 @@
             <a:fld id="{B61BEF0D-F0BB-DE4B-95CE-6DB70DBA9567}" type="datetimeFigureOut">
               <a:rPr lang="en-US" dirty="0"/>
               <a:pPr/>
-              <a:t>2/2/19</a:t>
+              <a:t>2/6/19</a:t>
             </a:fld>
             <a:endParaRPr lang="en-US" dirty="0"/>
           </a:p>
@@ -10538,7 +10970,7 @@
             <a:fld id="{B61BEF0D-F0BB-DE4B-95CE-6DB70DBA9567}" type="datetimeFigureOut">
               <a:rPr lang="en-US" dirty="0"/>
               <a:pPr/>
-              <a:t>2/2/19</a:t>
+              <a:t>2/6/19</a:t>
             </a:fld>
             <a:endParaRPr lang="en-US" dirty="0"/>
           </a:p>
@@ -10801,7 +11233,7 @@
             <a:fld id="{B61BEF0D-F0BB-DE4B-95CE-6DB70DBA9567}" type="datetimeFigureOut">
               <a:rPr lang="en-US" dirty="0"/>
               <a:pPr/>
-              <a:t>2/2/19</a:t>
+              <a:t>2/6/19</a:t>
             </a:fld>
             <a:endParaRPr lang="en-US" dirty="0"/>
           </a:p>
@@ -11172,7 +11604,7 @@
             <a:fld id="{B61BEF0D-F0BB-DE4B-95CE-6DB70DBA9567}" type="datetimeFigureOut">
               <a:rPr lang="en-US" dirty="0"/>
               <a:pPr/>
-              <a:t>2/2/19</a:t>
+              <a:t>2/6/19</a:t>
             </a:fld>
             <a:endParaRPr lang="en-US" dirty="0"/>
           </a:p>
@@ -11317,7 +11749,7 @@
             <a:fld id="{B61BEF0D-F0BB-DE4B-95CE-6DB70DBA9567}" type="datetimeFigureOut">
               <a:rPr lang="en-US" dirty="0"/>
               <a:pPr/>
-              <a:t>2/2/19</a:t>
+              <a:t>2/6/19</a:t>
             </a:fld>
             <a:endParaRPr lang="en-US" dirty="0"/>
           </a:p>
@@ -11439,7 +11871,7 @@
             <a:fld id="{B61BEF0D-F0BB-DE4B-95CE-6DB70DBA9567}" type="datetimeFigureOut">
               <a:rPr lang="en-US" dirty="0"/>
               <a:pPr/>
-              <a:t>2/2/19</a:t>
+              <a:t>2/6/19</a:t>
             </a:fld>
             <a:endParaRPr lang="en-US" dirty="0"/>
           </a:p>
@@ -11721,7 +12153,7 @@
             <a:fld id="{B61BEF0D-F0BB-DE4B-95CE-6DB70DBA9567}" type="datetimeFigureOut">
               <a:rPr lang="en-US" dirty="0"/>
               <a:pPr/>
-              <a:t>2/2/19</a:t>
+              <a:t>2/6/19</a:t>
             </a:fld>
             <a:endParaRPr lang="en-US" dirty="0"/>
           </a:p>
@@ -12042,7 +12474,7 @@
             <a:fld id="{B61BEF0D-F0BB-DE4B-95CE-6DB70DBA9567}" type="datetimeFigureOut">
               <a:rPr lang="en-US" dirty="0"/>
               <a:pPr/>
-              <a:t>2/2/19</a:t>
+              <a:t>2/6/19</a:t>
             </a:fld>
             <a:endParaRPr lang="en-US" dirty="0"/>
           </a:p>
@@ -12253,7 +12685,7 @@
             <a:fld id="{B61BEF0D-F0BB-DE4B-95CE-6DB70DBA9567}" type="datetimeFigureOut">
               <a:rPr lang="en-US" dirty="0"/>
               <a:pPr/>
-              <a:t>2/2/19</a:t>
+              <a:t>2/6/19</a:t>
             </a:fld>
             <a:endParaRPr lang="en-US" dirty="0"/>
           </a:p>
@@ -14889,6 +15321,94 @@
           <p:cNvPr id="2" name="标题 1">
             <a:extLst>
               <a:ext uri="{FF2B5EF4-FFF2-40B4-BE49-F238E27FC236}">
+                <a16:creationId xmlns:a16="http://schemas.microsoft.com/office/drawing/2014/main" id="{CC00A649-0871-734A-BB79-A10DC31B4B69}"/>
+              </a:ext>
+            </a:extLst>
+          </p:cNvPr>
+          <p:cNvSpPr>
+            <a:spLocks noGrp="1"/>
+          </p:cNvSpPr>
+          <p:nvPr>
+            <p:ph type="title"/>
+          </p:nvPr>
+        </p:nvSpPr>
+        <p:spPr/>
+        <p:txBody>
+          <a:bodyPr/>
+          <a:lstStyle/>
+          <a:p>
+            <a:r>
+              <a:rPr kumimoji="1" lang="en-US" altLang="zh-Hans" dirty="0"/>
+              <a:t>Job</a:t>
+            </a:r>
+            <a:r>
+              <a:rPr kumimoji="1" lang="zh-Hans" altLang="en-US" dirty="0"/>
+              <a:t>表的设计</a:t>
+            </a:r>
+            <a:endParaRPr kumimoji="1" lang="zh-CN" altLang="en-US" dirty="0"/>
+          </a:p>
+        </p:txBody>
+      </p:sp>
+      <p:sp>
+        <p:nvSpPr>
+          <p:cNvPr id="3" name="内容占位符 2">
+            <a:extLst>
+              <a:ext uri="{FF2B5EF4-FFF2-40B4-BE49-F238E27FC236}">
+                <a16:creationId xmlns:a16="http://schemas.microsoft.com/office/drawing/2014/main" id="{17853212-9F78-2A43-AE8A-7CE4161AAF87}"/>
+              </a:ext>
+            </a:extLst>
+          </p:cNvPr>
+          <p:cNvSpPr>
+            <a:spLocks noGrp="1"/>
+          </p:cNvSpPr>
+          <p:nvPr>
+            <p:ph idx="1"/>
+          </p:nvPr>
+        </p:nvSpPr>
+        <p:spPr/>
+        <p:txBody>
+          <a:bodyPr/>
+          <a:lstStyle/>
+          <a:p>
+            <a:endParaRPr kumimoji="1" lang="zh-CN" altLang="en-US" dirty="0"/>
+          </a:p>
+        </p:txBody>
+      </p:sp>
+    </p:spTree>
+    <p:extLst>
+      <p:ext uri="{BB962C8B-B14F-4D97-AF65-F5344CB8AC3E}">
+        <p14:creationId xmlns:p14="http://schemas.microsoft.com/office/powerpoint/2010/main" val="2317490581"/>
+      </p:ext>
+    </p:extLst>
+  </p:cSld>
+  <p:clrMapOvr>
+    <a:masterClrMapping/>
+  </p:clrMapOvr>
+</p:sld>
+</file>
+
+<file path=ppt/slides/slide6.xml><?xml version="1.0" encoding="utf-8"?>
+<p:sld xmlns:a="http://schemas.openxmlformats.org/drawingml/2006/main" xmlns:r="http://schemas.openxmlformats.org/officeDocument/2006/relationships" xmlns:p="http://schemas.openxmlformats.org/presentationml/2006/main">
+  <p:cSld>
+    <p:spTree>
+      <p:nvGrpSpPr>
+        <p:cNvPr id="1" name=""/>
+        <p:cNvGrpSpPr/>
+        <p:nvPr/>
+      </p:nvGrpSpPr>
+      <p:grpSpPr>
+        <a:xfrm>
+          <a:off x="0" y="0"/>
+          <a:ext cx="0" cy="0"/>
+          <a:chOff x="0" y="0"/>
+          <a:chExt cx="0" cy="0"/>
+        </a:xfrm>
+      </p:grpSpPr>
+      <p:sp>
+        <p:nvSpPr>
+          <p:cNvPr id="2" name="标题 1">
+            <a:extLst>
+              <a:ext uri="{FF2B5EF4-FFF2-40B4-BE49-F238E27FC236}">
                 <a16:creationId xmlns:a16="http://schemas.microsoft.com/office/drawing/2014/main" id="{E96E9A4C-F3FD-F449-B806-409DA70D5AA2}"/>
               </a:ext>
             </a:extLst>
@@ -15770,6 +16290,237 @@
     <p:extLst>
       <p:ext uri="{BB962C8B-B14F-4D97-AF65-F5344CB8AC3E}">
         <p14:creationId xmlns:p14="http://schemas.microsoft.com/office/powerpoint/2010/main" val="3661042294"/>
+      </p:ext>
+    </p:extLst>
+  </p:cSld>
+  <p:clrMapOvr>
+    <a:masterClrMapping/>
+  </p:clrMapOvr>
+</p:sld>
+</file>
+
+<file path=ppt/slides/slide7.xml><?xml version="1.0" encoding="utf-8"?>
+<p:sld xmlns:a="http://schemas.openxmlformats.org/drawingml/2006/main" xmlns:r="http://schemas.openxmlformats.org/officeDocument/2006/relationships" xmlns:p="http://schemas.openxmlformats.org/presentationml/2006/main">
+  <p:cSld>
+    <p:spTree>
+      <p:nvGrpSpPr>
+        <p:cNvPr id="1" name=""/>
+        <p:cNvGrpSpPr/>
+        <p:nvPr/>
+      </p:nvGrpSpPr>
+      <p:grpSpPr>
+        <a:xfrm>
+          <a:off x="0" y="0"/>
+          <a:ext cx="0" cy="0"/>
+          <a:chOff x="0" y="0"/>
+          <a:chExt cx="0" cy="0"/>
+        </a:xfrm>
+      </p:grpSpPr>
+      <p:sp>
+        <p:nvSpPr>
+          <p:cNvPr id="2" name="标题 1">
+            <a:extLst>
+              <a:ext uri="{FF2B5EF4-FFF2-40B4-BE49-F238E27FC236}">
+                <a16:creationId xmlns:a16="http://schemas.microsoft.com/office/drawing/2014/main" id="{F61DBCFA-B79F-C647-8BD3-7DAC4A315BD0}"/>
+              </a:ext>
+            </a:extLst>
+          </p:cNvPr>
+          <p:cNvSpPr>
+            <a:spLocks noGrp="1"/>
+          </p:cNvSpPr>
+          <p:nvPr>
+            <p:ph type="title"/>
+          </p:nvPr>
+        </p:nvSpPr>
+        <p:spPr/>
+        <p:txBody>
+          <a:bodyPr/>
+          <a:lstStyle/>
+          <a:p>
+            <a:r>
+              <a:rPr kumimoji="1" lang="zh-Hans" altLang="en-US" dirty="0"/>
+              <a:t>词典匹配</a:t>
+            </a:r>
+            <a:r>
+              <a:rPr kumimoji="1" lang="en-US" altLang="zh-Hans" dirty="0"/>
+              <a:t>(</a:t>
+            </a:r>
+            <a:r>
+              <a:rPr kumimoji="1" lang="zh-Hans" altLang="en-US" dirty="0"/>
+              <a:t>核心</a:t>
+            </a:r>
+            <a:r>
+              <a:rPr kumimoji="1" lang="en-US" altLang="zh-Hans" dirty="0"/>
+              <a:t>)</a:t>
+            </a:r>
+            <a:endParaRPr kumimoji="1" lang="zh-CN" altLang="en-US" dirty="0"/>
+          </a:p>
+        </p:txBody>
+      </p:sp>
+      <p:sp>
+        <p:nvSpPr>
+          <p:cNvPr id="3" name="内容占位符 2">
+            <a:extLst>
+              <a:ext uri="{FF2B5EF4-FFF2-40B4-BE49-F238E27FC236}">
+                <a16:creationId xmlns:a16="http://schemas.microsoft.com/office/drawing/2014/main" id="{C9554595-6CAA-C145-8E98-BBED58656FAA}"/>
+              </a:ext>
+            </a:extLst>
+          </p:cNvPr>
+          <p:cNvSpPr>
+            <a:spLocks noGrp="1"/>
+          </p:cNvSpPr>
+          <p:nvPr>
+            <p:ph idx="1"/>
+          </p:nvPr>
+        </p:nvSpPr>
+        <p:spPr/>
+        <p:txBody>
+          <a:bodyPr/>
+          <a:lstStyle/>
+          <a:p>
+            <a:r>
+              <a:rPr kumimoji="1" lang="en-US" altLang="zh-Hans" dirty="0" err="1"/>
+              <a:t>Aho-Corasick</a:t>
+            </a:r>
+            <a:r>
+              <a:rPr kumimoji="1" lang="zh-Hans" altLang="en-US" dirty="0"/>
+              <a:t>原理</a:t>
+            </a:r>
+            <a:endParaRPr kumimoji="1" lang="en-US" altLang="zh-Hans" dirty="0"/>
+          </a:p>
+          <a:p>
+            <a:r>
+              <a:rPr kumimoji="1" lang="zh-Hans" altLang="en-US" dirty="0"/>
+              <a:t>具体实现</a:t>
+            </a:r>
+            <a:endParaRPr kumimoji="1" lang="en-US" altLang="zh-Hans" dirty="0"/>
+          </a:p>
+          <a:p>
+            <a:endParaRPr kumimoji="1" lang="zh-CN" altLang="en-US" dirty="0"/>
+          </a:p>
+        </p:txBody>
+      </p:sp>
+      <p:sp>
+        <p:nvSpPr>
+          <p:cNvPr id="4" name="圆角矩形 3">
+            <a:extLst>
+              <a:ext uri="{FF2B5EF4-FFF2-40B4-BE49-F238E27FC236}">
+                <a16:creationId xmlns:a16="http://schemas.microsoft.com/office/drawing/2014/main" id="{FFC8893E-709B-884D-81B5-509049521EA1}"/>
+              </a:ext>
+            </a:extLst>
+          </p:cNvPr>
+          <p:cNvSpPr/>
+          <p:nvPr/>
+        </p:nvSpPr>
+        <p:spPr>
+          <a:xfrm>
+            <a:off x="1794293" y="4347712"/>
+            <a:ext cx="3260785" cy="1443488"/>
+          </a:xfrm>
+          <a:prstGeom prst="roundRect">
+            <a:avLst/>
+          </a:prstGeom>
+        </p:spPr>
+        <p:style>
+          <a:lnRef idx="1">
+            <a:schemeClr val="accent4"/>
+          </a:lnRef>
+          <a:fillRef idx="3">
+            <a:schemeClr val="accent4"/>
+          </a:fillRef>
+          <a:effectRef idx="2">
+            <a:schemeClr val="accent4"/>
+          </a:effectRef>
+          <a:fontRef idx="minor">
+            <a:schemeClr val="lt1"/>
+          </a:fontRef>
+        </p:style>
+        <p:txBody>
+          <a:bodyPr rtlCol="0" anchor="ctr"/>
+          <a:lstStyle/>
+          <a:p>
+            <a:r>
+              <a:rPr lang="en" altLang="zh-CN" dirty="0"/>
+              <a:t>type Term </a:t>
+            </a:r>
+            <a:r>
+              <a:rPr lang="en" altLang="zh-CN" dirty="0" err="1"/>
+              <a:t>struct</a:t>
+            </a:r>
+            <a:r>
+              <a:rPr lang="en" altLang="zh-CN" dirty="0"/>
+              <a:t> { </a:t>
+            </a:r>
+          </a:p>
+          <a:p>
+            <a:r>
+              <a:rPr lang="en" altLang="zh-CN" dirty="0"/>
+              <a:t>	</a:t>
+            </a:r>
+            <a:r>
+              <a:rPr lang="en" altLang="zh-CN" dirty="0" err="1"/>
+              <a:t>Pos</a:t>
+            </a:r>
+            <a:r>
+              <a:rPr lang="en" altLang="zh-CN" dirty="0"/>
+              <a:t> </a:t>
+            </a:r>
+            <a:r>
+              <a:rPr lang="en" altLang="zh-CN" dirty="0" err="1"/>
+              <a:t>int</a:t>
+            </a:r>
+            <a:endParaRPr lang="en" altLang="zh-CN" dirty="0"/>
+          </a:p>
+          <a:p>
+            <a:r>
+              <a:rPr lang="en" altLang="zh-CN" dirty="0"/>
+              <a:t> 	Word []rune</a:t>
+            </a:r>
+          </a:p>
+          <a:p>
+            <a:r>
+              <a:rPr lang="en" altLang="zh-CN" dirty="0"/>
+              <a:t>	</a:t>
+            </a:r>
+            <a:r>
+              <a:rPr lang="zh-Hans" altLang="en-US" dirty="0">
+                <a:solidFill>
+                  <a:srgbClr val="C00000"/>
+                </a:solidFill>
+              </a:rPr>
+              <a:t>*</a:t>
+            </a:r>
+            <a:r>
+              <a:rPr lang="en-US" altLang="zh-Hans" dirty="0" err="1">
+                <a:solidFill>
+                  <a:srgbClr val="C00000"/>
+                </a:solidFill>
+              </a:rPr>
+              <a:t>ExpireTime</a:t>
+            </a:r>
+            <a:r>
+              <a:rPr lang="en-US" altLang="zh-Hans" dirty="0"/>
+              <a:t> </a:t>
+            </a:r>
+            <a:r>
+              <a:rPr lang="en-US" altLang="zh-Hans" dirty="0" err="1"/>
+              <a:t>time.Time</a:t>
+            </a:r>
+            <a:endParaRPr lang="en" altLang="zh-CN" dirty="0"/>
+          </a:p>
+          <a:p>
+            <a:r>
+              <a:rPr lang="en" altLang="zh-CN" dirty="0"/>
+              <a:t> } </a:t>
+            </a:r>
+            <a:endParaRPr kumimoji="1" lang="zh-CN" altLang="en-US" dirty="0" err="1"/>
+          </a:p>
+        </p:txBody>
+      </p:sp>
+    </p:spTree>
+    <p:extLst>
+      <p:ext uri="{BB962C8B-B14F-4D97-AF65-F5344CB8AC3E}">
+        <p14:creationId xmlns:p14="http://schemas.microsoft.com/office/powerpoint/2010/main" val="456933549"/>
       </p:ext>
     </p:extLst>
   </p:cSld>
